--- a/presentation.pptx
+++ b/presentation.pptx
@@ -5,16 +5,17 @@
     <p:sldMasterId id="2147483648" r:id="rId1"/>
   </p:sldMasterIdLst>
   <p:notesMasterIdLst>
-    <p:notesMasterId r:id="rId9"/>
+    <p:notesMasterId r:id="rId10"/>
   </p:notesMasterIdLst>
   <p:sldIdLst>
     <p:sldId id="256" r:id="rId2"/>
     <p:sldId id="264" r:id="rId3"/>
     <p:sldId id="266" r:id="rId4"/>
     <p:sldId id="267" r:id="rId5"/>
-    <p:sldId id="268" r:id="rId6"/>
-    <p:sldId id="270" r:id="rId7"/>
-    <p:sldId id="269" r:id="rId8"/>
+    <p:sldId id="271" r:id="rId6"/>
+    <p:sldId id="268" r:id="rId7"/>
+    <p:sldId id="270" r:id="rId8"/>
+    <p:sldId id="269" r:id="rId9"/>
   </p:sldIdLst>
   <p:sldSz cx="12192000" cy="6858000"/>
   <p:notesSz cx="6858000" cy="9144000"/>
@@ -203,7 +204,7 @@
           <a:p>
             <a:fld id="{5602CFC0-DA5F-394B-81BF-0860AD0CD0C4}" type="datetimeFigureOut">
               <a:rPr lang="en-US" smtClean="0"/>
-              <a:t>4/24/2019</a:t>
+              <a:t>4/25/2019</a:t>
             </a:fld>
             <a:endParaRPr lang="en-US"/>
           </a:p>
@@ -701,7 +702,7 @@
           <a:p>
             <a:fld id="{26B093BC-57E8-334F-9B2C-D30D65EE9773}" type="datetimeFigureOut">
               <a:rPr lang="en-US" smtClean="0"/>
-              <a:t>4/24/2019</a:t>
+              <a:t>4/25/2019</a:t>
             </a:fld>
             <a:endParaRPr lang="en-US"/>
           </a:p>
@@ -899,7 +900,7 @@
           <a:p>
             <a:fld id="{26B093BC-57E8-334F-9B2C-D30D65EE9773}" type="datetimeFigureOut">
               <a:rPr lang="en-US" smtClean="0"/>
-              <a:t>4/24/2019</a:t>
+              <a:t>4/25/2019</a:t>
             </a:fld>
             <a:endParaRPr lang="en-US"/>
           </a:p>
@@ -1107,7 +1108,7 @@
           <a:p>
             <a:fld id="{26B093BC-57E8-334F-9B2C-D30D65EE9773}" type="datetimeFigureOut">
               <a:rPr lang="en-US" smtClean="0"/>
-              <a:t>4/24/2019</a:t>
+              <a:t>4/25/2019</a:t>
             </a:fld>
             <a:endParaRPr lang="en-US"/>
           </a:p>
@@ -1305,7 +1306,7 @@
           <a:p>
             <a:fld id="{26B093BC-57E8-334F-9B2C-D30D65EE9773}" type="datetimeFigureOut">
               <a:rPr lang="en-US" smtClean="0"/>
-              <a:t>4/24/2019</a:t>
+              <a:t>4/25/2019</a:t>
             </a:fld>
             <a:endParaRPr lang="en-US"/>
           </a:p>
@@ -1580,7 +1581,7 @@
           <a:p>
             <a:fld id="{26B093BC-57E8-334F-9B2C-D30D65EE9773}" type="datetimeFigureOut">
               <a:rPr lang="en-US" smtClean="0"/>
-              <a:t>4/24/2019</a:t>
+              <a:t>4/25/2019</a:t>
             </a:fld>
             <a:endParaRPr lang="en-US"/>
           </a:p>
@@ -1845,7 +1846,7 @@
           <a:p>
             <a:fld id="{26B093BC-57E8-334F-9B2C-D30D65EE9773}" type="datetimeFigureOut">
               <a:rPr lang="en-US" smtClean="0"/>
-              <a:t>4/24/2019</a:t>
+              <a:t>4/25/2019</a:t>
             </a:fld>
             <a:endParaRPr lang="en-US"/>
           </a:p>
@@ -2257,7 +2258,7 @@
           <a:p>
             <a:fld id="{26B093BC-57E8-334F-9B2C-D30D65EE9773}" type="datetimeFigureOut">
               <a:rPr lang="en-US" smtClean="0"/>
-              <a:t>4/24/2019</a:t>
+              <a:t>4/25/2019</a:t>
             </a:fld>
             <a:endParaRPr lang="en-US"/>
           </a:p>
@@ -2398,7 +2399,7 @@
           <a:p>
             <a:fld id="{26B093BC-57E8-334F-9B2C-D30D65EE9773}" type="datetimeFigureOut">
               <a:rPr lang="en-US" smtClean="0"/>
-              <a:t>4/24/2019</a:t>
+              <a:t>4/25/2019</a:t>
             </a:fld>
             <a:endParaRPr lang="en-US"/>
           </a:p>
@@ -2511,7 +2512,7 @@
           <a:p>
             <a:fld id="{26B093BC-57E8-334F-9B2C-D30D65EE9773}" type="datetimeFigureOut">
               <a:rPr lang="en-US" smtClean="0"/>
-              <a:t>4/24/2019</a:t>
+              <a:t>4/25/2019</a:t>
             </a:fld>
             <a:endParaRPr lang="en-US"/>
           </a:p>
@@ -2822,7 +2823,7 @@
           <a:p>
             <a:fld id="{26B093BC-57E8-334F-9B2C-D30D65EE9773}" type="datetimeFigureOut">
               <a:rPr lang="en-US" smtClean="0"/>
-              <a:t>4/24/2019</a:t>
+              <a:t>4/25/2019</a:t>
             </a:fld>
             <a:endParaRPr lang="en-US"/>
           </a:p>
@@ -3110,7 +3111,7 @@
           <a:p>
             <a:fld id="{26B093BC-57E8-334F-9B2C-D30D65EE9773}" type="datetimeFigureOut">
               <a:rPr lang="en-US" smtClean="0"/>
-              <a:t>4/24/2019</a:t>
+              <a:t>4/25/2019</a:t>
             </a:fld>
             <a:endParaRPr lang="en-US"/>
           </a:p>
@@ -3351,7 +3352,7 @@
           <a:p>
             <a:fld id="{26B093BC-57E8-334F-9B2C-D30D65EE9773}" type="datetimeFigureOut">
               <a:rPr lang="en-US" smtClean="0"/>
-              <a:t>4/24/2019</a:t>
+              <a:t>4/25/2019</a:t>
             </a:fld>
             <a:endParaRPr lang="en-US"/>
           </a:p>
@@ -4425,13 +4426,25 @@
           <a:lstStyle/>
           <a:p>
             <a:r>
-              <a:rPr lang="en-US" sz="2000" dirty="0"/>
+              <a:rPr lang="en-US" dirty="0"/>
               <a:t>Alpha waves as relaxation state</a:t>
             </a:r>
           </a:p>
           <a:p>
             <a:r>
-              <a:rPr lang="en-US" sz="2000" dirty="0"/>
+              <a:rPr lang="en-US" dirty="0"/>
+              <a:t>EEG using FP1, FP2 with A1 and A2 as reference</a:t>
+            </a:r>
+          </a:p>
+          <a:p>
+            <a:r>
+              <a:rPr lang="en-US" dirty="0"/>
+              <a:t>Frontal Lobe targeted </a:t>
+            </a:r>
+          </a:p>
+          <a:p>
+            <a:r>
+              <a:rPr lang="en-US" dirty="0"/>
               <a:t>Feedback through enemy movement and text display</a:t>
             </a:r>
           </a:p>
@@ -4461,36 +4474,6 @@
           <a:xfrm>
             <a:off x="10217426" y="6430778"/>
             <a:ext cx="1875184" cy="300955"/>
-          </a:xfrm>
-          <a:prstGeom prst="rect">
-            <a:avLst/>
-          </a:prstGeom>
-        </p:spPr>
-      </p:pic>
-      <p:pic>
-        <p:nvPicPr>
-          <p:cNvPr id="6" name="Picture 5">
-            <a:extLst>
-              <a:ext uri="{FF2B5EF4-FFF2-40B4-BE49-F238E27FC236}">
-                <a16:creationId xmlns:a16="http://schemas.microsoft.com/office/drawing/2014/main" id="{FD3EFF47-1DED-452F-95D3-EC16DD182FEB}"/>
-              </a:ext>
-            </a:extLst>
-          </p:cNvPr>
-          <p:cNvPicPr>
-            <a:picLocks noChangeAspect="1"/>
-          </p:cNvPicPr>
-          <p:nvPr/>
-        </p:nvPicPr>
-        <p:blipFill>
-          <a:blip r:embed="rId3"/>
-          <a:stretch>
-            <a:fillRect/>
-          </a:stretch>
-        </p:blipFill>
-        <p:spPr>
-          <a:xfrm>
-            <a:off x="5553075" y="2619083"/>
-            <a:ext cx="6580533" cy="3557880"/>
           </a:xfrm>
           <a:prstGeom prst="rect">
             <a:avLst/>
@@ -4552,6 +4535,126 @@
               <a:rPr lang="en-US" sz="5400" dirty="0">
                 <a:latin typeface="Avenir Next Condensed Medium" panose="020B0506020202020204" pitchFamily="34" charset="0"/>
               </a:rPr>
+              <a:t>Approach</a:t>
+            </a:r>
+          </a:p>
+        </p:txBody>
+      </p:sp>
+      <p:pic>
+        <p:nvPicPr>
+          <p:cNvPr id="5" name="Picture 4">
+            <a:extLst>
+              <a:ext uri="{FF2B5EF4-FFF2-40B4-BE49-F238E27FC236}">
+                <a16:creationId xmlns:a16="http://schemas.microsoft.com/office/drawing/2014/main" id="{942A9643-24C3-EF4D-9262-AB7539CE7130}"/>
+              </a:ext>
+            </a:extLst>
+          </p:cNvPr>
+          <p:cNvPicPr>
+            <a:picLocks noChangeAspect="1"/>
+          </p:cNvPicPr>
+          <p:nvPr/>
+        </p:nvPicPr>
+        <p:blipFill>
+          <a:blip r:embed="rId2"/>
+          <a:stretch>
+            <a:fillRect/>
+          </a:stretch>
+        </p:blipFill>
+        <p:spPr>
+          <a:xfrm>
+            <a:off x="10217426" y="6430778"/>
+            <a:ext cx="1875184" cy="300955"/>
+          </a:xfrm>
+          <a:prstGeom prst="rect">
+            <a:avLst/>
+          </a:prstGeom>
+        </p:spPr>
+      </p:pic>
+      <p:pic>
+        <p:nvPicPr>
+          <p:cNvPr id="6" name="Picture 5">
+            <a:extLst>
+              <a:ext uri="{FF2B5EF4-FFF2-40B4-BE49-F238E27FC236}">
+                <a16:creationId xmlns:a16="http://schemas.microsoft.com/office/drawing/2014/main" id="{FD3EFF47-1DED-452F-95D3-EC16DD182FEB}"/>
+              </a:ext>
+            </a:extLst>
+          </p:cNvPr>
+          <p:cNvPicPr>
+            <a:picLocks noChangeAspect="1"/>
+          </p:cNvPicPr>
+          <p:nvPr/>
+        </p:nvPicPr>
+        <p:blipFill>
+          <a:blip r:embed="rId3"/>
+          <a:stretch>
+            <a:fillRect/>
+          </a:stretch>
+        </p:blipFill>
+        <p:spPr>
+          <a:xfrm>
+            <a:off x="1827143" y="1537422"/>
+            <a:ext cx="8390283" cy="4536353"/>
+          </a:xfrm>
+          <a:prstGeom prst="rect">
+            <a:avLst/>
+          </a:prstGeom>
+        </p:spPr>
+      </p:pic>
+    </p:spTree>
+    <p:extLst>
+      <p:ext uri="{BB962C8B-B14F-4D97-AF65-F5344CB8AC3E}">
+        <p14:creationId xmlns:p14="http://schemas.microsoft.com/office/powerpoint/2010/main" val="3242962863"/>
+      </p:ext>
+    </p:extLst>
+  </p:cSld>
+  <p:clrMapOvr>
+    <a:masterClrMapping/>
+  </p:clrMapOvr>
+</p:sld>
+</file>
+
+<file path=ppt/slides/slide6.xml><?xml version="1.0" encoding="utf-8"?>
+<p:sld xmlns:a="http://schemas.openxmlformats.org/drawingml/2006/main" xmlns:r="http://schemas.openxmlformats.org/officeDocument/2006/relationships" xmlns:p="http://schemas.openxmlformats.org/presentationml/2006/main">
+  <p:cSld>
+    <p:spTree>
+      <p:nvGrpSpPr>
+        <p:cNvPr id="1" name=""/>
+        <p:cNvGrpSpPr/>
+        <p:nvPr/>
+      </p:nvGrpSpPr>
+      <p:grpSpPr>
+        <a:xfrm>
+          <a:off x="0" y="0"/>
+          <a:ext cx="0" cy="0"/>
+          <a:chOff x="0" y="0"/>
+          <a:chExt cx="0" cy="0"/>
+        </a:xfrm>
+      </p:grpSpPr>
+      <p:sp>
+        <p:nvSpPr>
+          <p:cNvPr id="2" name="Title 1">
+            <a:extLst>
+              <a:ext uri="{FF2B5EF4-FFF2-40B4-BE49-F238E27FC236}">
+                <a16:creationId xmlns:a16="http://schemas.microsoft.com/office/drawing/2014/main" id="{72C6D28A-A87A-E946-996D-592D95D0107A}"/>
+              </a:ext>
+            </a:extLst>
+          </p:cNvPr>
+          <p:cNvSpPr>
+            <a:spLocks noGrp="1"/>
+          </p:cNvSpPr>
+          <p:nvPr>
+            <p:ph type="title"/>
+          </p:nvPr>
+        </p:nvSpPr>
+        <p:spPr/>
+        <p:txBody>
+          <a:bodyPr/>
+          <a:lstStyle/>
+          <a:p>
+            <a:r>
+              <a:rPr lang="en-US" sz="5400" dirty="0">
+                <a:latin typeface="Avenir Next Condensed Medium" panose="020B0506020202020204" pitchFamily="34" charset="0"/>
+              </a:rPr>
               <a:t>System Design</a:t>
             </a:r>
           </a:p>
@@ -4581,38 +4684,37 @@
           <a:lstStyle/>
           <a:p>
             <a:r>
-              <a:rPr lang="en-US" sz="2000" dirty="0"/>
+              <a:rPr lang="en-US" dirty="0"/>
               <a:t>Used the browser-BCI</a:t>
             </a:r>
           </a:p>
           <a:p>
             <a:r>
-              <a:rPr lang="en-US" sz="2000" dirty="0"/>
+              <a:rPr lang="en-US" dirty="0"/>
               <a:t>Sliding average</a:t>
             </a:r>
           </a:p>
           <a:p>
             <a:r>
-              <a:rPr lang="en-US" sz="2000" dirty="0"/>
+              <a:rPr lang="en-US" dirty="0"/>
               <a:t>Chrome Bluetooth over web</a:t>
             </a:r>
           </a:p>
           <a:p>
             <a:r>
-              <a:rPr lang="en-US" sz="2000" dirty="0" err="1"/>
+              <a:rPr lang="en-US" dirty="0" err="1"/>
               <a:t>OpenBCI</a:t>
             </a:r>
             <a:r>
-              <a:rPr lang="en-US" sz="2000" dirty="0"/>
+              <a:rPr lang="en-US" dirty="0"/>
               <a:t> Headset</a:t>
             </a:r>
           </a:p>
           <a:p>
             <a:r>
-              <a:rPr lang="en-US" sz="2000"/>
+              <a:rPr lang="en-US" dirty="0"/>
               <a:t>WebGL</a:t>
             </a:r>
-            <a:endParaRPr lang="en-US" sz="2000" dirty="0"/>
           </a:p>
         </p:txBody>
       </p:sp>
@@ -4689,7 +4791,7 @@
 </p:sld>
 </file>
 
-<file path=ppt/slides/slide6.xml><?xml version="1.0" encoding="utf-8"?>
+<file path=ppt/slides/slide7.xml><?xml version="1.0" encoding="utf-8"?>
 <p:sld xmlns:a="http://schemas.openxmlformats.org/drawingml/2006/main" xmlns:r="http://schemas.openxmlformats.org/officeDocument/2006/relationships" xmlns:p="http://schemas.openxmlformats.org/presentationml/2006/main">
   <p:cSld>
     <p:spTree>
@@ -4760,19 +4862,19 @@
           <a:lstStyle/>
           <a:p>
             <a:r>
-              <a:rPr lang="en-US" sz="2000" dirty="0"/>
+              <a:rPr lang="en-US" dirty="0"/>
               <a:t>Bluetooth on web limited to chrome</a:t>
             </a:r>
           </a:p>
           <a:p>
             <a:r>
-              <a:rPr lang="en-US" sz="2000" dirty="0"/>
+              <a:rPr lang="en-US" dirty="0"/>
               <a:t>Smoothly changing the difficulty</a:t>
             </a:r>
           </a:p>
           <a:p>
             <a:r>
-              <a:rPr lang="en-US" sz="2000" dirty="0"/>
+              <a:rPr lang="en-US" dirty="0"/>
               <a:t>Maintaining easy to read code for all the game systems</a:t>
             </a:r>
           </a:p>
@@ -4821,7 +4923,7 @@
 </p:sld>
 </file>
 
-<file path=ppt/slides/slide7.xml><?xml version="1.0" encoding="utf-8"?>
+<file path=ppt/slides/slide8.xml><?xml version="1.0" encoding="utf-8"?>
 <p:sld xmlns:a="http://schemas.openxmlformats.org/drawingml/2006/main" xmlns:r="http://schemas.openxmlformats.org/officeDocument/2006/relationships" xmlns:p="http://schemas.openxmlformats.org/presentationml/2006/main">
   <p:cSld>
     <p:spTree>
@@ -4892,25 +4994,25 @@
           <a:lstStyle/>
           <a:p>
             <a:r>
-              <a:rPr lang="en-US" sz="3600" dirty="0"/>
+              <a:rPr lang="en-US" dirty="0"/>
               <a:t>Higher quality graphics and GUI for engagement</a:t>
             </a:r>
           </a:p>
           <a:p>
             <a:r>
-              <a:rPr lang="en-US" sz="3600" dirty="0"/>
+              <a:rPr lang="en-US" dirty="0"/>
               <a:t>Selection of scenarios</a:t>
             </a:r>
           </a:p>
           <a:p>
             <a:r>
-              <a:rPr lang="en-US" sz="3600" dirty="0"/>
+              <a:rPr lang="en-US" dirty="0"/>
               <a:t>Logging of self regulation skill</a:t>
             </a:r>
           </a:p>
           <a:p>
             <a:r>
-              <a:rPr lang="en-US" sz="3600" dirty="0"/>
+              <a:rPr lang="en-US" dirty="0"/>
               <a:t>Support for other headsets</a:t>
             </a:r>
           </a:p>
